--- a/docs/презентация_pygame.pptx
+++ b/docs/презентация_pygame.pptx
@@ -11,8 +11,8 @@
   <p:sldIdLst>
     <p:sldId id="261" r:id="rId3"/>
     <p:sldId id="306" r:id="rId4"/>
-    <p:sldId id="258" r:id="rId5"/>
-    <p:sldId id="308" r:id="rId6"/>
+    <p:sldId id="308" r:id="rId5"/>
+    <p:sldId id="258" r:id="rId6"/>
   </p:sldIdLst>
   <p:sldSz cx="12192000" cy="6858000"/>
   <p:notesSz cx="12192000" cy="6858000"/>
@@ -122,7 +122,7 @@
           <a:p>
             <a:fld id="{55476D9D-51FC-4F6D-BC94-048EF7B8A9BC}" type="datetimeFigureOut">
               <a:rPr lang="ru-RU" smtClean="0"/>
-              <a:t>31.01.2025</a:t>
+              <a:t>02.02.2025</a:t>
             </a:fld>
             <a:endParaRPr lang="ru-RU"/>
           </a:p>
@@ -602,7 +602,13 @@
   <p:cSld>
     <p:spTree>
       <p:nvGrpSpPr>
-        <p:cNvPr id="1" name="Shape 177"/>
+        <p:cNvPr id="1" name="Shape 177">
+          <a:extLst>
+            <a:ext uri="{FF2B5EF4-FFF2-40B4-BE49-F238E27FC236}">
+              <a16:creationId xmlns:a16="http://schemas.microsoft.com/office/drawing/2014/main" id="{FB4BEBDD-6D6B-6E6B-A2EF-43D18E9D70B5}"/>
+            </a:ext>
+          </a:extLst>
+        </p:cNvPr>
         <p:cNvGrpSpPr/>
         <p:nvPr/>
       </p:nvGrpSpPr>
@@ -616,7 +622,13 @@
       </p:grpSpPr>
       <p:sp>
         <p:nvSpPr>
-          <p:cNvPr id="178" name="Google Shape;178;gd431007ba2_0_215:notes"/>
+          <p:cNvPr id="178" name="Google Shape;178;gd431007ba2_0_215:notes">
+            <a:extLst>
+              <a:ext uri="{FF2B5EF4-FFF2-40B4-BE49-F238E27FC236}">
+                <a16:creationId xmlns:a16="http://schemas.microsoft.com/office/drawing/2014/main" id="{67554E80-0D0F-375A-BA46-05D368E26399}"/>
+              </a:ext>
+            </a:extLst>
+          </p:cNvPr>
           <p:cNvSpPr>
             <a:spLocks noGrp="1" noRot="1" noChangeAspect="1"/>
           </p:cNvSpPr>
@@ -657,7 +669,13 @@
       </p:sp>
       <p:sp>
         <p:nvSpPr>
-          <p:cNvPr id="179" name="Google Shape;179;gd431007ba2_0_215:notes"/>
+          <p:cNvPr id="179" name="Google Shape;179;gd431007ba2_0_215:notes">
+            <a:extLst>
+              <a:ext uri="{FF2B5EF4-FFF2-40B4-BE49-F238E27FC236}">
+                <a16:creationId xmlns:a16="http://schemas.microsoft.com/office/drawing/2014/main" id="{0E8E3F6A-1DC3-4193-8729-1B998883045E}"/>
+              </a:ext>
+            </a:extLst>
+          </p:cNvPr>
           <p:cNvSpPr txBox="1">
             <a:spLocks noGrp="1"/>
           </p:cNvSpPr>
@@ -694,6 +712,11 @@
         </p:txBody>
       </p:sp>
     </p:spTree>
+    <p:extLst>
+      <p:ext uri="{BB962C8B-B14F-4D97-AF65-F5344CB8AC3E}">
+        <p14:creationId xmlns:p14="http://schemas.microsoft.com/office/powerpoint/2010/main" val="1252545377"/>
+      </p:ext>
+    </p:extLst>
   </p:cSld>
   <p:clrMapOvr>
     <a:masterClrMapping/>
@@ -706,13 +729,7 @@
   <p:cSld>
     <p:spTree>
       <p:nvGrpSpPr>
-        <p:cNvPr id="1" name="Shape 177">
-          <a:extLst>
-            <a:ext uri="{FF2B5EF4-FFF2-40B4-BE49-F238E27FC236}">
-              <a16:creationId xmlns:a16="http://schemas.microsoft.com/office/drawing/2014/main" id="{FB4BEBDD-6D6B-6E6B-A2EF-43D18E9D70B5}"/>
-            </a:ext>
-          </a:extLst>
-        </p:cNvPr>
+        <p:cNvPr id="1" name="Shape 177"/>
         <p:cNvGrpSpPr/>
         <p:nvPr/>
       </p:nvGrpSpPr>
@@ -726,13 +743,7 @@
       </p:grpSpPr>
       <p:sp>
         <p:nvSpPr>
-          <p:cNvPr id="178" name="Google Shape;178;gd431007ba2_0_215:notes">
-            <a:extLst>
-              <a:ext uri="{FF2B5EF4-FFF2-40B4-BE49-F238E27FC236}">
-                <a16:creationId xmlns:a16="http://schemas.microsoft.com/office/drawing/2014/main" id="{67554E80-0D0F-375A-BA46-05D368E26399}"/>
-              </a:ext>
-            </a:extLst>
-          </p:cNvPr>
+          <p:cNvPr id="178" name="Google Shape;178;gd431007ba2_0_215:notes"/>
           <p:cNvSpPr>
             <a:spLocks noGrp="1" noRot="1" noChangeAspect="1"/>
           </p:cNvSpPr>
@@ -773,13 +784,7 @@
       </p:sp>
       <p:sp>
         <p:nvSpPr>
-          <p:cNvPr id="179" name="Google Shape;179;gd431007ba2_0_215:notes">
-            <a:extLst>
-              <a:ext uri="{FF2B5EF4-FFF2-40B4-BE49-F238E27FC236}">
-                <a16:creationId xmlns:a16="http://schemas.microsoft.com/office/drawing/2014/main" id="{0E8E3F6A-1DC3-4193-8729-1B998883045E}"/>
-              </a:ext>
-            </a:extLst>
-          </p:cNvPr>
+          <p:cNvPr id="179" name="Google Shape;179;gd431007ba2_0_215:notes"/>
           <p:cNvSpPr txBox="1">
             <a:spLocks noGrp="1"/>
           </p:cNvSpPr>
@@ -816,11 +821,6 @@
         </p:txBody>
       </p:sp>
     </p:spTree>
-    <p:extLst>
-      <p:ext uri="{BB962C8B-B14F-4D97-AF65-F5344CB8AC3E}">
-        <p14:creationId xmlns:p14="http://schemas.microsoft.com/office/powerpoint/2010/main" val="1252545377"/>
-      </p:ext>
-    </p:extLst>
   </p:cSld>
   <p:clrMapOvr>
     <a:masterClrMapping/>
@@ -11226,327 +11226,6 @@
   <p:cSld>
     <p:spTree>
       <p:nvGrpSpPr>
-        <p:cNvPr id="1" name="Shape 180"/>
-        <p:cNvGrpSpPr/>
-        <p:nvPr/>
-      </p:nvGrpSpPr>
-      <p:grpSpPr>
-        <a:xfrm>
-          <a:off x="0" y="0"/>
-          <a:ext cx="0" cy="0"/>
-          <a:chOff x="0" y="0"/>
-          <a:chExt cx="0" cy="0"/>
-        </a:xfrm>
-      </p:grpSpPr>
-      <p:sp>
-        <p:nvSpPr>
-          <p:cNvPr id="189" name="Google Shape;189;p28"/>
-          <p:cNvSpPr txBox="1">
-            <a:spLocks noGrp="1"/>
-          </p:cNvSpPr>
-          <p:nvPr>
-            <p:ph type="subTitle" idx="8"/>
-          </p:nvPr>
-        </p:nvSpPr>
-        <p:spPr>
-          <a:xfrm>
-            <a:off x="467536" y="2906829"/>
-            <a:ext cx="3352800" cy="1623463"/>
-          </a:xfrm>
-          <a:prstGeom prst="roundRect">
-            <a:avLst/>
-          </a:prstGeom>
-        </p:spPr>
-        <p:txBody>
-          <a:bodyPr spcFirstLastPara="1" wrap="square" lIns="121900" tIns="121900" rIns="121900" bIns="121900" anchor="ctr" anchorCtr="0">
-            <a:noAutofit/>
-          </a:bodyPr>
-          <a:lstStyle/>
-          <a:p>
-            <a:pPr marL="228594" indent="-228594">
-              <a:buFont typeface="Arial" panose="020B0604020202020204" pitchFamily="34" charset="0"/>
-              <a:buChar char="•"/>
-            </a:pPr>
-            <a:endParaRPr lang="ru-RU" sz="1600" dirty="0">
-              <a:latin typeface="Montserrat" panose="020B0604020202020204" charset="-52"/>
-            </a:endParaRPr>
-          </a:p>
-          <a:p>
-            <a:pPr marL="228594" indent="-228594">
-              <a:buFont typeface="Arial" panose="020B0604020202020204" pitchFamily="34" charset="0"/>
-              <a:buChar char="•"/>
-            </a:pPr>
-            <a:endParaRPr sz="1600" dirty="0">
-              <a:latin typeface="Montserrat" panose="020B0604020202020204" charset="-52"/>
-            </a:endParaRPr>
-          </a:p>
-        </p:txBody>
-      </p:sp>
-      <p:grpSp>
-        <p:nvGrpSpPr>
-          <p:cNvPr id="194" name="Google Shape;194;p28"/>
-          <p:cNvGrpSpPr/>
-          <p:nvPr/>
-        </p:nvGrpSpPr>
-        <p:grpSpPr>
-          <a:xfrm>
-            <a:off x="10787400" y="261733"/>
-            <a:ext cx="1654931" cy="1638067"/>
-            <a:chOff x="8090550" y="196300"/>
-            <a:chExt cx="1241198" cy="1228550"/>
-          </a:xfrm>
-        </p:grpSpPr>
-        <p:sp>
-          <p:nvSpPr>
-            <p:cNvPr id="195" name="Google Shape;195;p28"/>
-            <p:cNvSpPr/>
-            <p:nvPr/>
-          </p:nvSpPr>
-          <p:spPr>
-            <a:xfrm>
-              <a:off x="8304848" y="397950"/>
-              <a:ext cx="1026900" cy="1026900"/>
-            </a:xfrm>
-            <a:prstGeom prst="ellipse">
-              <a:avLst/>
-            </a:prstGeom>
-            <a:solidFill>
-              <a:srgbClr val="F5F2FA">
-                <a:alpha val="18240"/>
-              </a:srgbClr>
-            </a:solidFill>
-            <a:ln w="9525" cap="flat" cmpd="sng">
-              <a:solidFill>
-                <a:schemeClr val="dk2"/>
-              </a:solidFill>
-              <a:prstDash val="solid"/>
-              <a:round/>
-              <a:headEnd type="none" w="sm" len="sm"/>
-              <a:tailEnd type="none" w="sm" len="sm"/>
-            </a:ln>
-          </p:spPr>
-          <p:txBody>
-            <a:bodyPr spcFirstLastPara="1" wrap="square" lIns="121900" tIns="121900" rIns="121900" bIns="121900" anchor="ctr" anchorCtr="0">
-              <a:noAutofit/>
-            </a:bodyPr>
-            <a:lstStyle/>
-            <a:p>
-              <a:pPr algn="ctr" rtl="0"/>
-              <a:endParaRPr>
-                <a:latin typeface="Montserrat"/>
-                <a:ea typeface="Montserrat"/>
-                <a:cs typeface="Montserrat"/>
-                <a:sym typeface="Montserrat"/>
-              </a:endParaRPr>
-            </a:p>
-          </p:txBody>
-        </p:sp>
-        <p:pic>
-          <p:nvPicPr>
-            <p:cNvPr id="196" name="Google Shape;196;p28"/>
-            <p:cNvPicPr preferRelativeResize="0"/>
-            <p:nvPr/>
-          </p:nvPicPr>
-          <p:blipFill rotWithShape="1">
-            <a:blip r:embed="rId3">
-              <a:alphaModFix/>
-            </a:blip>
-            <a:srcRect/>
-            <a:stretch/>
-          </p:blipFill>
-          <p:spPr>
-            <a:xfrm>
-              <a:off x="8090550" y="196300"/>
-              <a:ext cx="666283" cy="666301"/>
-            </a:xfrm>
-            <a:prstGeom prst="rect">
-              <a:avLst/>
-            </a:prstGeom>
-            <a:noFill/>
-            <a:ln>
-              <a:noFill/>
-            </a:ln>
-          </p:spPr>
-        </p:pic>
-      </p:grpSp>
-      <p:sp>
-        <p:nvSpPr>
-          <p:cNvPr id="15" name="Прямоугольник 14">
-            <a:extLst>
-              <a:ext uri="{FF2B5EF4-FFF2-40B4-BE49-F238E27FC236}">
-                <a16:creationId xmlns:a16="http://schemas.microsoft.com/office/drawing/2014/main" id="{86355F04-B5FD-46A2-B853-91F5A0B7A6CD}"/>
-              </a:ext>
-            </a:extLst>
-          </p:cNvPr>
-          <p:cNvSpPr/>
-          <p:nvPr/>
-        </p:nvSpPr>
-        <p:spPr>
-          <a:xfrm>
-            <a:off x="3820336" y="344804"/>
-            <a:ext cx="4192728" cy="1025987"/>
-          </a:xfrm>
-          <a:prstGeom prst="rect">
-            <a:avLst/>
-          </a:prstGeom>
-        </p:spPr>
-        <p:txBody>
-          <a:bodyPr wrap="square">
-            <a:spAutoFit/>
-          </a:bodyPr>
-          <a:lstStyle/>
-          <a:p>
-            <a:pPr lvl="0">
-              <a:buClr>
-                <a:srgbClr val="F5F2FA"/>
-              </a:buClr>
-              <a:buSzPts val="3000"/>
-            </a:pPr>
-            <a:r>
-              <a:rPr lang="ru-RU" sz="4267" b="1" dirty="0">
-                <a:solidFill>
-                  <a:srgbClr val="F5F2FA"/>
-                </a:solidFill>
-                <a:latin typeface="Cambria Math" panose="02040503050406030204" pitchFamily="18" charset="0"/>
-                <a:ea typeface="Cambria Math" panose="02040503050406030204" pitchFamily="18" charset="0"/>
-                <a:sym typeface="Homenaje"/>
-              </a:rPr>
-              <a:t>Главное меню</a:t>
-            </a:r>
-          </a:p>
-          <a:p>
-            <a:endParaRPr lang="ru-RU" dirty="0">
-              <a:solidFill>
-                <a:schemeClr val="accent3"/>
-              </a:solidFill>
-            </a:endParaRPr>
-          </a:p>
-        </p:txBody>
-      </p:sp>
-      <p:pic>
-        <p:nvPicPr>
-          <p:cNvPr id="3" name="Рисунок 2">
-            <a:extLst>
-              <a:ext uri="{FF2B5EF4-FFF2-40B4-BE49-F238E27FC236}">
-                <a16:creationId xmlns:a16="http://schemas.microsoft.com/office/drawing/2014/main" id="{2FB15850-006D-AC24-A483-7B1B8D603F22}"/>
-              </a:ext>
-            </a:extLst>
-          </p:cNvPr>
-          <p:cNvPicPr>
-            <a:picLocks noChangeAspect="1"/>
-          </p:cNvPicPr>
-          <p:nvPr/>
-        </p:nvPicPr>
-        <p:blipFill rotWithShape="1">
-          <a:blip r:embed="rId4" cstate="print">
-            <a:extLst>
-              <a:ext uri="{28A0092B-C50C-407E-A947-70E740481C1C}">
-                <a14:useLocalDpi xmlns:a14="http://schemas.microsoft.com/office/drawing/2010/main" val="0"/>
-              </a:ext>
-            </a:extLst>
-          </a:blip>
-          <a:srcRect l="8673" t="6756" r="8401" b="8048"/>
-          <a:stretch/>
-        </p:blipFill>
-        <p:spPr bwMode="auto">
-          <a:xfrm>
-            <a:off x="4332943" y="1990683"/>
-            <a:ext cx="7265228" cy="4198717"/>
-          </a:xfrm>
-          <a:prstGeom prst="rect">
-            <a:avLst/>
-          </a:prstGeom>
-          <a:solidFill>
-            <a:srgbClr val="FFFFFF">
-              <a:shade val="85000"/>
-            </a:srgbClr>
-          </a:solidFill>
-          <a:ln w="88900" cap="sq">
-            <a:solidFill>
-              <a:srgbClr val="FFFFFF"/>
-            </a:solidFill>
-            <a:miter lim="800000"/>
-          </a:ln>
-          <a:effectLst>
-            <a:outerShdw blurRad="55000" dist="18000" dir="5400000" algn="tl" rotWithShape="0">
-              <a:srgbClr val="000000">
-                <a:alpha val="40000"/>
-              </a:srgbClr>
-            </a:outerShdw>
-          </a:effectLst>
-          <a:scene3d>
-            <a:camera prst="orthographicFront"/>
-            <a:lightRig rig="twoPt" dir="t">
-              <a:rot lat="0" lon="0" rev="7200000"/>
-            </a:lightRig>
-          </a:scene3d>
-          <a:sp3d>
-            <a:bevelT w="25400" h="19050"/>
-            <a:contourClr>
-              <a:srgbClr val="FFFFFF"/>
-            </a:contourClr>
-          </a:sp3d>
-          <a:extLst>
-            <a:ext uri="{53640926-AAD7-44D8-BBD7-CCE9431645EC}">
-              <a14:shadowObscured xmlns:a14="http://schemas.microsoft.com/office/drawing/2010/main"/>
-            </a:ext>
-          </a:extLst>
-        </p:spPr>
-      </p:pic>
-      <p:sp>
-        <p:nvSpPr>
-          <p:cNvPr id="9" name="TextBox 8">
-            <a:extLst>
-              <a:ext uri="{FF2B5EF4-FFF2-40B4-BE49-F238E27FC236}">
-                <a16:creationId xmlns:a16="http://schemas.microsoft.com/office/drawing/2014/main" id="{E0FB1DFA-330D-2E12-01E1-57507B2E21EA}"/>
-              </a:ext>
-            </a:extLst>
-          </p:cNvPr>
-          <p:cNvSpPr txBox="1"/>
-          <p:nvPr/>
-        </p:nvSpPr>
-        <p:spPr>
-          <a:xfrm>
-            <a:off x="593830" y="3327287"/>
-            <a:ext cx="3042476" cy="646331"/>
-          </a:xfrm>
-          <a:prstGeom prst="rect">
-            <a:avLst/>
-          </a:prstGeom>
-          <a:noFill/>
-        </p:spPr>
-        <p:txBody>
-          <a:bodyPr wrap="square">
-            <a:spAutoFit/>
-          </a:bodyPr>
-          <a:lstStyle/>
-          <a:p>
-            <a:pPr marL="380990" indent="-380990">
-              <a:buFont typeface="Arial" panose="020B0604020202020204" pitchFamily="34" charset="0"/>
-              <a:buChar char="•"/>
-            </a:pPr>
-            <a:r>
-              <a:rPr lang="ru-RU" dirty="0">
-                <a:latin typeface="Montserrat" panose="00000500000000000000" pitchFamily="2" charset="-52"/>
-              </a:rPr>
-              <a:t>Пользователь выбирает язык </a:t>
-            </a:r>
-          </a:p>
-        </p:txBody>
-      </p:sp>
-    </p:spTree>
-  </p:cSld>
-  <p:clrMapOvr>
-    <a:masterClrMapping/>
-  </p:clrMapOvr>
-</p:sld>
-</file>
-
-<file path=ppt/slides/slide4.xml><?xml version="1.0" encoding="utf-8"?>
-<p:sld xmlns:a="http://schemas.openxmlformats.org/drawingml/2006/main" xmlns:r="http://schemas.openxmlformats.org/officeDocument/2006/relationships" xmlns:p="http://schemas.openxmlformats.org/presentationml/2006/main">
-  <p:cSld>
-    <p:spTree>
-      <p:nvGrpSpPr>
         <p:cNvPr id="1" name="Shape 180">
           <a:extLst>
             <a:ext uri="{FF2B5EF4-FFF2-40B4-BE49-F238E27FC236}">
@@ -11735,7 +11414,7 @@
         <p:spPr>
           <a:xfrm>
             <a:off x="3820336" y="344804"/>
-            <a:ext cx="4192728" cy="1025987"/>
+            <a:ext cx="4192728" cy="1046440"/>
           </a:xfrm>
           <a:prstGeom prst="rect">
             <a:avLst/>
@@ -11754,9 +11433,9 @@
               <a:buSzPts val="3000"/>
             </a:pPr>
             <a:r>
-              <a:rPr lang="ru-RU" sz="4267" b="1" dirty="0">
+              <a:rPr lang="ru-RU" sz="4400" b="1" dirty="0">
                 <a:solidFill>
-                  <a:srgbClr val="F5F2FA"/>
+                  <a:srgbClr val="CCC8E6"/>
                 </a:solidFill>
                 <a:latin typeface="Cambria Math" panose="02040503050406030204" pitchFamily="18" charset="0"/>
                 <a:ea typeface="Cambria Math" panose="02040503050406030204" pitchFamily="18" charset="0"/>
@@ -11789,8 +11468,14 @@
           <p:nvPr/>
         </p:nvPicPr>
         <p:blipFill>
-          <a:blip r:embed="rId4"/>
-          <a:srcRect t="827" b="827"/>
+          <a:blip r:embed="rId4" cstate="print">
+            <a:extLst>
+              <a:ext uri="{28A0092B-C50C-407E-A947-70E740481C1C}">
+                <a14:useLocalDpi xmlns:a14="http://schemas.microsoft.com/office/drawing/2010/main" val="0"/>
+              </a:ext>
+            </a:extLst>
+          </a:blip>
+          <a:srcRect l="1875" r="1875"/>
           <a:stretch/>
         </p:blipFill>
         <p:spPr bwMode="auto">
@@ -11874,8 +11559,17 @@
               <a:rPr lang="ru-RU" dirty="0">
                 <a:latin typeface="Montserrat" panose="00000500000000000000" pitchFamily="2" charset="-52"/>
               </a:rPr>
-              <a:t>Пользователь выбирает уровень сложности игры </a:t>
+              <a:t>Пользователь выбирает язык</a:t>
             </a:r>
+          </a:p>
+          <a:p>
+            <a:pPr marL="380990" indent="-380990">
+              <a:buFont typeface="Arial" panose="020B0604020202020204" pitchFamily="34" charset="0"/>
+              <a:buChar char="•"/>
+            </a:pPr>
+            <a:endParaRPr lang="ru-RU" dirty="0">
+              <a:latin typeface="Montserrat" panose="00000500000000000000" pitchFamily="2" charset="-52"/>
+            </a:endParaRPr>
           </a:p>
         </p:txBody>
       </p:sp>
@@ -11885,6 +11579,327 @@
         <p14:creationId xmlns:p14="http://schemas.microsoft.com/office/powerpoint/2010/main" val="3099467630"/>
       </p:ext>
     </p:extLst>
+  </p:cSld>
+  <p:clrMapOvr>
+    <a:masterClrMapping/>
+  </p:clrMapOvr>
+</p:sld>
+</file>
+
+<file path=ppt/slides/slide4.xml><?xml version="1.0" encoding="utf-8"?>
+<p:sld xmlns:a="http://schemas.openxmlformats.org/drawingml/2006/main" xmlns:r="http://schemas.openxmlformats.org/officeDocument/2006/relationships" xmlns:p="http://schemas.openxmlformats.org/presentationml/2006/main">
+  <p:cSld>
+    <p:spTree>
+      <p:nvGrpSpPr>
+        <p:cNvPr id="1" name="Shape 180"/>
+        <p:cNvGrpSpPr/>
+        <p:nvPr/>
+      </p:nvGrpSpPr>
+      <p:grpSpPr>
+        <a:xfrm>
+          <a:off x="0" y="0"/>
+          <a:ext cx="0" cy="0"/>
+          <a:chOff x="0" y="0"/>
+          <a:chExt cx="0" cy="0"/>
+        </a:xfrm>
+      </p:grpSpPr>
+      <p:sp>
+        <p:nvSpPr>
+          <p:cNvPr id="189" name="Google Shape;189;p28"/>
+          <p:cNvSpPr txBox="1">
+            <a:spLocks noGrp="1"/>
+          </p:cNvSpPr>
+          <p:nvPr>
+            <p:ph type="subTitle" idx="8"/>
+          </p:nvPr>
+        </p:nvSpPr>
+        <p:spPr>
+          <a:xfrm>
+            <a:off x="467536" y="2906829"/>
+            <a:ext cx="3352800" cy="1623463"/>
+          </a:xfrm>
+          <a:prstGeom prst="roundRect">
+            <a:avLst/>
+          </a:prstGeom>
+        </p:spPr>
+        <p:txBody>
+          <a:bodyPr spcFirstLastPara="1" wrap="square" lIns="121900" tIns="121900" rIns="121900" bIns="121900" anchor="ctr" anchorCtr="0">
+            <a:noAutofit/>
+          </a:bodyPr>
+          <a:lstStyle/>
+          <a:p>
+            <a:pPr marL="228594" indent="-228594">
+              <a:buFont typeface="Arial" panose="020B0604020202020204" pitchFamily="34" charset="0"/>
+              <a:buChar char="•"/>
+            </a:pPr>
+            <a:endParaRPr lang="ru-RU" sz="1600" dirty="0">
+              <a:latin typeface="Montserrat" panose="020B0604020202020204" charset="-52"/>
+            </a:endParaRPr>
+          </a:p>
+          <a:p>
+            <a:pPr marL="228594" indent="-228594">
+              <a:buFont typeface="Arial" panose="020B0604020202020204" pitchFamily="34" charset="0"/>
+              <a:buChar char="•"/>
+            </a:pPr>
+            <a:endParaRPr sz="1600" dirty="0">
+              <a:latin typeface="Montserrat" panose="020B0604020202020204" charset="-52"/>
+            </a:endParaRPr>
+          </a:p>
+        </p:txBody>
+      </p:sp>
+      <p:grpSp>
+        <p:nvGrpSpPr>
+          <p:cNvPr id="194" name="Google Shape;194;p28"/>
+          <p:cNvGrpSpPr/>
+          <p:nvPr/>
+        </p:nvGrpSpPr>
+        <p:grpSpPr>
+          <a:xfrm>
+            <a:off x="10787400" y="261733"/>
+            <a:ext cx="1654931" cy="1638067"/>
+            <a:chOff x="8090550" y="196300"/>
+            <a:chExt cx="1241198" cy="1228550"/>
+          </a:xfrm>
+        </p:grpSpPr>
+        <p:sp>
+          <p:nvSpPr>
+            <p:cNvPr id="195" name="Google Shape;195;p28"/>
+            <p:cNvSpPr/>
+            <p:nvPr/>
+          </p:nvSpPr>
+          <p:spPr>
+            <a:xfrm>
+              <a:off x="8304848" y="397950"/>
+              <a:ext cx="1026900" cy="1026900"/>
+            </a:xfrm>
+            <a:prstGeom prst="ellipse">
+              <a:avLst/>
+            </a:prstGeom>
+            <a:solidFill>
+              <a:srgbClr val="F5F2FA">
+                <a:alpha val="18240"/>
+              </a:srgbClr>
+            </a:solidFill>
+            <a:ln w="9525" cap="flat" cmpd="sng">
+              <a:solidFill>
+                <a:schemeClr val="dk2"/>
+              </a:solidFill>
+              <a:prstDash val="solid"/>
+              <a:round/>
+              <a:headEnd type="none" w="sm" len="sm"/>
+              <a:tailEnd type="none" w="sm" len="sm"/>
+            </a:ln>
+          </p:spPr>
+          <p:txBody>
+            <a:bodyPr spcFirstLastPara="1" wrap="square" lIns="121900" tIns="121900" rIns="121900" bIns="121900" anchor="ctr" anchorCtr="0">
+              <a:noAutofit/>
+            </a:bodyPr>
+            <a:lstStyle/>
+            <a:p>
+              <a:pPr algn="ctr" rtl="0"/>
+              <a:endParaRPr>
+                <a:latin typeface="Montserrat"/>
+                <a:ea typeface="Montserrat"/>
+                <a:cs typeface="Montserrat"/>
+                <a:sym typeface="Montserrat"/>
+              </a:endParaRPr>
+            </a:p>
+          </p:txBody>
+        </p:sp>
+        <p:pic>
+          <p:nvPicPr>
+            <p:cNvPr id="196" name="Google Shape;196;p28"/>
+            <p:cNvPicPr preferRelativeResize="0"/>
+            <p:nvPr/>
+          </p:nvPicPr>
+          <p:blipFill rotWithShape="1">
+            <a:blip r:embed="rId3">
+              <a:alphaModFix/>
+            </a:blip>
+            <a:srcRect/>
+            <a:stretch/>
+          </p:blipFill>
+          <p:spPr>
+            <a:xfrm>
+              <a:off x="8090550" y="196300"/>
+              <a:ext cx="666283" cy="666301"/>
+            </a:xfrm>
+            <a:prstGeom prst="rect">
+              <a:avLst/>
+            </a:prstGeom>
+            <a:noFill/>
+            <a:ln>
+              <a:noFill/>
+            </a:ln>
+          </p:spPr>
+        </p:pic>
+      </p:grpSp>
+      <p:sp>
+        <p:nvSpPr>
+          <p:cNvPr id="15" name="Прямоугольник 14">
+            <a:extLst>
+              <a:ext uri="{FF2B5EF4-FFF2-40B4-BE49-F238E27FC236}">
+                <a16:creationId xmlns:a16="http://schemas.microsoft.com/office/drawing/2014/main" id="{86355F04-B5FD-46A2-B853-91F5A0B7A6CD}"/>
+              </a:ext>
+            </a:extLst>
+          </p:cNvPr>
+          <p:cNvSpPr/>
+          <p:nvPr/>
+        </p:nvSpPr>
+        <p:spPr>
+          <a:xfrm>
+            <a:off x="3820336" y="344804"/>
+            <a:ext cx="4192728" cy="1046440"/>
+          </a:xfrm>
+          <a:prstGeom prst="rect">
+            <a:avLst/>
+          </a:prstGeom>
+        </p:spPr>
+        <p:txBody>
+          <a:bodyPr wrap="square">
+            <a:spAutoFit/>
+          </a:bodyPr>
+          <a:lstStyle/>
+          <a:p>
+            <a:pPr lvl="0">
+              <a:buClr>
+                <a:srgbClr val="F5F2FA"/>
+              </a:buClr>
+              <a:buSzPts val="3000"/>
+            </a:pPr>
+            <a:r>
+              <a:rPr lang="ru-RU" sz="4400" b="1" dirty="0">
+                <a:solidFill>
+                  <a:srgbClr val="CCC8E6"/>
+                </a:solidFill>
+                <a:latin typeface="Cambria Math" panose="02040503050406030204" pitchFamily="18" charset="0"/>
+                <a:ea typeface="Cambria Math" panose="02040503050406030204" pitchFamily="18" charset="0"/>
+                <a:sym typeface="Homenaje"/>
+              </a:rPr>
+              <a:t>Главное меню</a:t>
+            </a:r>
+          </a:p>
+          <a:p>
+            <a:endParaRPr lang="ru-RU" dirty="0">
+              <a:solidFill>
+                <a:schemeClr val="accent3"/>
+              </a:solidFill>
+            </a:endParaRPr>
+          </a:p>
+        </p:txBody>
+      </p:sp>
+      <p:pic>
+        <p:nvPicPr>
+          <p:cNvPr id="3" name="Рисунок 2">
+            <a:extLst>
+              <a:ext uri="{FF2B5EF4-FFF2-40B4-BE49-F238E27FC236}">
+                <a16:creationId xmlns:a16="http://schemas.microsoft.com/office/drawing/2014/main" id="{2FB15850-006D-AC24-A483-7B1B8D603F22}"/>
+              </a:ext>
+            </a:extLst>
+          </p:cNvPr>
+          <p:cNvPicPr>
+            <a:picLocks noChangeAspect="1"/>
+          </p:cNvPicPr>
+          <p:nvPr/>
+        </p:nvPicPr>
+        <p:blipFill>
+          <a:blip r:embed="rId4" cstate="print">
+            <a:extLst>
+              <a:ext uri="{28A0092B-C50C-407E-A947-70E740481C1C}">
+                <a14:useLocalDpi xmlns:a14="http://schemas.microsoft.com/office/drawing/2010/main" val="0"/>
+              </a:ext>
+            </a:extLst>
+          </a:blip>
+          <a:srcRect l="1660" r="1660"/>
+          <a:stretch/>
+        </p:blipFill>
+        <p:spPr bwMode="auto">
+          <a:xfrm>
+            <a:off x="4332943" y="1990683"/>
+            <a:ext cx="7265228" cy="4198717"/>
+          </a:xfrm>
+          <a:prstGeom prst="rect">
+            <a:avLst/>
+          </a:prstGeom>
+          <a:solidFill>
+            <a:srgbClr val="FFFFFF">
+              <a:shade val="85000"/>
+            </a:srgbClr>
+          </a:solidFill>
+          <a:ln w="88900" cap="sq">
+            <a:solidFill>
+              <a:srgbClr val="FFFFFF"/>
+            </a:solidFill>
+            <a:miter lim="800000"/>
+          </a:ln>
+          <a:effectLst>
+            <a:outerShdw blurRad="55000" dist="18000" dir="5400000" algn="tl" rotWithShape="0">
+              <a:srgbClr val="000000">
+                <a:alpha val="40000"/>
+              </a:srgbClr>
+            </a:outerShdw>
+          </a:effectLst>
+          <a:scene3d>
+            <a:camera prst="orthographicFront"/>
+            <a:lightRig rig="twoPt" dir="t">
+              <a:rot lat="0" lon="0" rev="7200000"/>
+            </a:lightRig>
+          </a:scene3d>
+          <a:sp3d>
+            <a:bevelT w="25400" h="19050"/>
+            <a:contourClr>
+              <a:srgbClr val="FFFFFF"/>
+            </a:contourClr>
+          </a:sp3d>
+          <a:extLst>
+            <a:ext uri="{53640926-AAD7-44D8-BBD7-CCE9431645EC}">
+              <a14:shadowObscured xmlns:a14="http://schemas.microsoft.com/office/drawing/2010/main"/>
+            </a:ext>
+          </a:extLst>
+        </p:spPr>
+      </p:pic>
+      <p:sp>
+        <p:nvSpPr>
+          <p:cNvPr id="9" name="TextBox 8">
+            <a:extLst>
+              <a:ext uri="{FF2B5EF4-FFF2-40B4-BE49-F238E27FC236}">
+                <a16:creationId xmlns:a16="http://schemas.microsoft.com/office/drawing/2014/main" id="{E0FB1DFA-330D-2E12-01E1-57507B2E21EA}"/>
+              </a:ext>
+            </a:extLst>
+          </p:cNvPr>
+          <p:cNvSpPr txBox="1"/>
+          <p:nvPr/>
+        </p:nvSpPr>
+        <p:spPr>
+          <a:xfrm>
+            <a:off x="593830" y="3327287"/>
+            <a:ext cx="3042476" cy="923330"/>
+          </a:xfrm>
+          <a:prstGeom prst="rect">
+            <a:avLst/>
+          </a:prstGeom>
+          <a:noFill/>
+        </p:spPr>
+        <p:txBody>
+          <a:bodyPr wrap="square">
+            <a:spAutoFit/>
+          </a:bodyPr>
+          <a:lstStyle/>
+          <a:p>
+            <a:pPr marL="380990" indent="-380990">
+              <a:buFont typeface="Arial" panose="020B0604020202020204" pitchFamily="34" charset="0"/>
+              <a:buChar char="•"/>
+            </a:pPr>
+            <a:r>
+              <a:rPr lang="ru-RU" dirty="0">
+                <a:latin typeface="Montserrat" panose="00000500000000000000" pitchFamily="2" charset="-52"/>
+              </a:rPr>
+              <a:t>Пользователь выбирает уровень сложности игры </a:t>
+            </a:r>
+          </a:p>
+        </p:txBody>
+      </p:sp>
+    </p:spTree>
   </p:cSld>
   <p:clrMapOvr>
     <a:masterClrMapping/>

--- a/docs/презентация_pygame.pptx
+++ b/docs/презентация_pygame.pptx
@@ -6,13 +6,15 @@
     <p:sldMasterId id="2147483661" r:id="rId2"/>
   </p:sldMasterIdLst>
   <p:notesMasterIdLst>
-    <p:notesMasterId r:id="rId7"/>
+    <p:notesMasterId r:id="rId9"/>
   </p:notesMasterIdLst>
   <p:sldIdLst>
     <p:sldId id="261" r:id="rId3"/>
     <p:sldId id="306" r:id="rId4"/>
     <p:sldId id="308" r:id="rId5"/>
     <p:sldId id="258" r:id="rId6"/>
+    <p:sldId id="309" r:id="rId7"/>
+    <p:sldId id="310" r:id="rId8"/>
   </p:sldIdLst>
   <p:sldSz cx="12192000" cy="6858000"/>
   <p:notesSz cx="12192000" cy="6858000"/>
@@ -821,6 +823,260 @@
         </p:txBody>
       </p:sp>
     </p:spTree>
+  </p:cSld>
+  <p:clrMapOvr>
+    <a:masterClrMapping/>
+  </p:clrMapOvr>
+</p:notes>
+</file>
+
+<file path=ppt/notesSlides/notesSlide5.xml><?xml version="1.0" encoding="utf-8"?>
+<p:notes xmlns:a="http://schemas.openxmlformats.org/drawingml/2006/main" xmlns:r="http://schemas.openxmlformats.org/officeDocument/2006/relationships" xmlns:p="http://schemas.openxmlformats.org/presentationml/2006/main" showMasterSp="0" showMasterPhAnim="0">
+  <p:cSld>
+    <p:spTree>
+      <p:nvGrpSpPr>
+        <p:cNvPr id="1" name="Shape 177">
+          <a:extLst>
+            <a:ext uri="{FF2B5EF4-FFF2-40B4-BE49-F238E27FC236}">
+              <a16:creationId xmlns:a16="http://schemas.microsoft.com/office/drawing/2014/main" id="{692FDB87-B83F-55E2-6AFA-337A0260E065}"/>
+            </a:ext>
+          </a:extLst>
+        </p:cNvPr>
+        <p:cNvGrpSpPr/>
+        <p:nvPr/>
+      </p:nvGrpSpPr>
+      <p:grpSpPr>
+        <a:xfrm>
+          <a:off x="0" y="0"/>
+          <a:ext cx="0" cy="0"/>
+          <a:chOff x="0" y="0"/>
+          <a:chExt cx="0" cy="0"/>
+        </a:xfrm>
+      </p:grpSpPr>
+      <p:sp>
+        <p:nvSpPr>
+          <p:cNvPr id="178" name="Google Shape;178;gd431007ba2_0_215:notes">
+            <a:extLst>
+              <a:ext uri="{FF2B5EF4-FFF2-40B4-BE49-F238E27FC236}">
+                <a16:creationId xmlns:a16="http://schemas.microsoft.com/office/drawing/2014/main" id="{3EBA85BD-DB42-73AD-B9F8-BB7B6DC05D4F}"/>
+              </a:ext>
+            </a:extLst>
+          </p:cNvPr>
+          <p:cNvSpPr>
+            <a:spLocks noGrp="1" noRot="1" noChangeAspect="1"/>
+          </p:cNvSpPr>
+          <p:nvPr>
+            <p:ph type="sldImg" idx="2"/>
+          </p:nvPr>
+        </p:nvSpPr>
+        <p:spPr>
+          <a:xfrm>
+            <a:off x="381000" y="685800"/>
+            <a:ext cx="6096000" cy="3429000"/>
+          </a:xfrm>
+          <a:custGeom>
+            <a:avLst/>
+            <a:gdLst/>
+            <a:ahLst/>
+            <a:cxnLst/>
+            <a:rect l="l" t="t" r="r" b="b"/>
+            <a:pathLst>
+              <a:path w="120000" h="120000" extrusionOk="0">
+                <a:moveTo>
+                  <a:pt x="0" y="0"/>
+                </a:moveTo>
+                <a:lnTo>
+                  <a:pt x="120000" y="0"/>
+                </a:lnTo>
+                <a:lnTo>
+                  <a:pt x="120000" y="120000"/>
+                </a:lnTo>
+                <a:lnTo>
+                  <a:pt x="0" y="120000"/>
+                </a:lnTo>
+                <a:close/>
+              </a:path>
+            </a:pathLst>
+          </a:custGeom>
+        </p:spPr>
+      </p:sp>
+      <p:sp>
+        <p:nvSpPr>
+          <p:cNvPr id="179" name="Google Shape;179;gd431007ba2_0_215:notes">
+            <a:extLst>
+              <a:ext uri="{FF2B5EF4-FFF2-40B4-BE49-F238E27FC236}">
+                <a16:creationId xmlns:a16="http://schemas.microsoft.com/office/drawing/2014/main" id="{38FAC820-7BB0-CB61-A763-26454D464F33}"/>
+              </a:ext>
+            </a:extLst>
+          </p:cNvPr>
+          <p:cNvSpPr txBox="1">
+            <a:spLocks noGrp="1"/>
+          </p:cNvSpPr>
+          <p:nvPr>
+            <p:ph type="body" idx="1"/>
+          </p:nvPr>
+        </p:nvSpPr>
+        <p:spPr>
+          <a:xfrm>
+            <a:off x="685800" y="4343400"/>
+            <a:ext cx="5486400" cy="4114800"/>
+          </a:xfrm>
+          <a:prstGeom prst="rect">
+            <a:avLst/>
+          </a:prstGeom>
+        </p:spPr>
+        <p:txBody>
+          <a:bodyPr spcFirstLastPara="1" wrap="square" lIns="91425" tIns="91425" rIns="91425" bIns="91425" anchor="t" anchorCtr="0">
+            <a:noAutofit/>
+          </a:bodyPr>
+          <a:lstStyle/>
+          <a:p>
+            <a:pPr marL="0" lvl="0" indent="0" algn="l" rtl="0">
+              <a:spcBef>
+                <a:spcPts val="0"/>
+              </a:spcBef>
+              <a:spcAft>
+                <a:spcPts val="0"/>
+              </a:spcAft>
+              <a:buNone/>
+            </a:pPr>
+            <a:endParaRPr/>
+          </a:p>
+        </p:txBody>
+      </p:sp>
+    </p:spTree>
+    <p:extLst>
+      <p:ext uri="{BB962C8B-B14F-4D97-AF65-F5344CB8AC3E}">
+        <p14:creationId xmlns:p14="http://schemas.microsoft.com/office/powerpoint/2010/main" val="2307465967"/>
+      </p:ext>
+    </p:extLst>
+  </p:cSld>
+  <p:clrMapOvr>
+    <a:masterClrMapping/>
+  </p:clrMapOvr>
+</p:notes>
+</file>
+
+<file path=ppt/notesSlides/notesSlide6.xml><?xml version="1.0" encoding="utf-8"?>
+<p:notes xmlns:a="http://schemas.openxmlformats.org/drawingml/2006/main" xmlns:r="http://schemas.openxmlformats.org/officeDocument/2006/relationships" xmlns:p="http://schemas.openxmlformats.org/presentationml/2006/main" showMasterSp="0" showMasterPhAnim="0">
+  <p:cSld>
+    <p:spTree>
+      <p:nvGrpSpPr>
+        <p:cNvPr id="1" name="Shape 177">
+          <a:extLst>
+            <a:ext uri="{FF2B5EF4-FFF2-40B4-BE49-F238E27FC236}">
+              <a16:creationId xmlns:a16="http://schemas.microsoft.com/office/drawing/2014/main" id="{FC9F976C-98E9-635B-5080-85C4E506EFA1}"/>
+            </a:ext>
+          </a:extLst>
+        </p:cNvPr>
+        <p:cNvGrpSpPr/>
+        <p:nvPr/>
+      </p:nvGrpSpPr>
+      <p:grpSpPr>
+        <a:xfrm>
+          <a:off x="0" y="0"/>
+          <a:ext cx="0" cy="0"/>
+          <a:chOff x="0" y="0"/>
+          <a:chExt cx="0" cy="0"/>
+        </a:xfrm>
+      </p:grpSpPr>
+      <p:sp>
+        <p:nvSpPr>
+          <p:cNvPr id="178" name="Google Shape;178;gd431007ba2_0_215:notes">
+            <a:extLst>
+              <a:ext uri="{FF2B5EF4-FFF2-40B4-BE49-F238E27FC236}">
+                <a16:creationId xmlns:a16="http://schemas.microsoft.com/office/drawing/2014/main" id="{5C42D8AD-D80E-9A0A-B6B0-AA31599E2933}"/>
+              </a:ext>
+            </a:extLst>
+          </p:cNvPr>
+          <p:cNvSpPr>
+            <a:spLocks noGrp="1" noRot="1" noChangeAspect="1"/>
+          </p:cNvSpPr>
+          <p:nvPr>
+            <p:ph type="sldImg" idx="2"/>
+          </p:nvPr>
+        </p:nvSpPr>
+        <p:spPr>
+          <a:xfrm>
+            <a:off x="381000" y="685800"/>
+            <a:ext cx="6096000" cy="3429000"/>
+          </a:xfrm>
+          <a:custGeom>
+            <a:avLst/>
+            <a:gdLst/>
+            <a:ahLst/>
+            <a:cxnLst/>
+            <a:rect l="l" t="t" r="r" b="b"/>
+            <a:pathLst>
+              <a:path w="120000" h="120000" extrusionOk="0">
+                <a:moveTo>
+                  <a:pt x="0" y="0"/>
+                </a:moveTo>
+                <a:lnTo>
+                  <a:pt x="120000" y="0"/>
+                </a:lnTo>
+                <a:lnTo>
+                  <a:pt x="120000" y="120000"/>
+                </a:lnTo>
+                <a:lnTo>
+                  <a:pt x="0" y="120000"/>
+                </a:lnTo>
+                <a:close/>
+              </a:path>
+            </a:pathLst>
+          </a:custGeom>
+        </p:spPr>
+      </p:sp>
+      <p:sp>
+        <p:nvSpPr>
+          <p:cNvPr id="179" name="Google Shape;179;gd431007ba2_0_215:notes">
+            <a:extLst>
+              <a:ext uri="{FF2B5EF4-FFF2-40B4-BE49-F238E27FC236}">
+                <a16:creationId xmlns:a16="http://schemas.microsoft.com/office/drawing/2014/main" id="{D41C6DC0-C573-4D0D-14AC-AD9D6B00DC1B}"/>
+              </a:ext>
+            </a:extLst>
+          </p:cNvPr>
+          <p:cNvSpPr txBox="1">
+            <a:spLocks noGrp="1"/>
+          </p:cNvSpPr>
+          <p:nvPr>
+            <p:ph type="body" idx="1"/>
+          </p:nvPr>
+        </p:nvSpPr>
+        <p:spPr>
+          <a:xfrm>
+            <a:off x="685800" y="4343400"/>
+            <a:ext cx="5486400" cy="4114800"/>
+          </a:xfrm>
+          <a:prstGeom prst="rect">
+            <a:avLst/>
+          </a:prstGeom>
+        </p:spPr>
+        <p:txBody>
+          <a:bodyPr spcFirstLastPara="1" wrap="square" lIns="91425" tIns="91425" rIns="91425" bIns="91425" anchor="t" anchorCtr="0">
+            <a:noAutofit/>
+          </a:bodyPr>
+          <a:lstStyle/>
+          <a:p>
+            <a:pPr marL="0" lvl="0" indent="0" algn="l" rtl="0">
+              <a:spcBef>
+                <a:spcPts val="0"/>
+              </a:spcBef>
+              <a:spcAft>
+                <a:spcPts val="0"/>
+              </a:spcAft>
+              <a:buNone/>
+            </a:pPr>
+            <a:endParaRPr/>
+          </a:p>
+        </p:txBody>
+      </p:sp>
+    </p:spTree>
+    <p:extLst>
+      <p:ext uri="{BB962C8B-B14F-4D97-AF65-F5344CB8AC3E}">
+        <p14:creationId xmlns:p14="http://schemas.microsoft.com/office/powerpoint/2010/main" val="4036678901"/>
+      </p:ext>
+    </p:extLst>
   </p:cSld>
   <p:clrMapOvr>
     <a:masterClrMapping/>
@@ -11900,6 +12156,766 @@
         </p:txBody>
       </p:sp>
     </p:spTree>
+  </p:cSld>
+  <p:clrMapOvr>
+    <a:masterClrMapping/>
+  </p:clrMapOvr>
+</p:sld>
+</file>
+
+<file path=ppt/slides/slide5.xml><?xml version="1.0" encoding="utf-8"?>
+<p:sld xmlns:a="http://schemas.openxmlformats.org/drawingml/2006/main" xmlns:r="http://schemas.openxmlformats.org/officeDocument/2006/relationships" xmlns:p="http://schemas.openxmlformats.org/presentationml/2006/main">
+  <p:cSld>
+    <p:spTree>
+      <p:nvGrpSpPr>
+        <p:cNvPr id="1" name="Shape 180">
+          <a:extLst>
+            <a:ext uri="{FF2B5EF4-FFF2-40B4-BE49-F238E27FC236}">
+              <a16:creationId xmlns:a16="http://schemas.microsoft.com/office/drawing/2014/main" id="{DBA8FB98-760D-2B07-6E2D-4E7504623547}"/>
+            </a:ext>
+          </a:extLst>
+        </p:cNvPr>
+        <p:cNvGrpSpPr/>
+        <p:nvPr/>
+      </p:nvGrpSpPr>
+      <p:grpSpPr>
+        <a:xfrm>
+          <a:off x="0" y="0"/>
+          <a:ext cx="0" cy="0"/>
+          <a:chOff x="0" y="0"/>
+          <a:chExt cx="0" cy="0"/>
+        </a:xfrm>
+      </p:grpSpPr>
+      <p:sp>
+        <p:nvSpPr>
+          <p:cNvPr id="189" name="Google Shape;189;p28">
+            <a:extLst>
+              <a:ext uri="{FF2B5EF4-FFF2-40B4-BE49-F238E27FC236}">
+                <a16:creationId xmlns:a16="http://schemas.microsoft.com/office/drawing/2014/main" id="{3ABCB555-E2BC-4637-C483-77E35C6ABA02}"/>
+              </a:ext>
+            </a:extLst>
+          </p:cNvPr>
+          <p:cNvSpPr txBox="1">
+            <a:spLocks noGrp="1"/>
+          </p:cNvSpPr>
+          <p:nvPr>
+            <p:ph type="subTitle" idx="8"/>
+          </p:nvPr>
+        </p:nvSpPr>
+        <p:spPr>
+          <a:xfrm>
+            <a:off x="467536" y="2906829"/>
+            <a:ext cx="3352800" cy="2466387"/>
+          </a:xfrm>
+          <a:prstGeom prst="roundRect">
+            <a:avLst/>
+          </a:prstGeom>
+        </p:spPr>
+        <p:txBody>
+          <a:bodyPr spcFirstLastPara="1" wrap="square" lIns="121900" tIns="121900" rIns="121900" bIns="121900" anchor="ctr" anchorCtr="0">
+            <a:noAutofit/>
+          </a:bodyPr>
+          <a:lstStyle/>
+          <a:p>
+            <a:pPr marL="228594" indent="-228594">
+              <a:buFont typeface="Arial" panose="020B0604020202020204" pitchFamily="34" charset="0"/>
+              <a:buChar char="•"/>
+            </a:pPr>
+            <a:endParaRPr lang="ru-RU" sz="1600" dirty="0">
+              <a:latin typeface="Montserrat" panose="020B0604020202020204" charset="-52"/>
+            </a:endParaRPr>
+          </a:p>
+          <a:p>
+            <a:pPr marL="228594" indent="-228594">
+              <a:buFont typeface="Arial" panose="020B0604020202020204" pitchFamily="34" charset="0"/>
+              <a:buChar char="•"/>
+            </a:pPr>
+            <a:endParaRPr sz="1600" dirty="0">
+              <a:latin typeface="Montserrat" panose="020B0604020202020204" charset="-52"/>
+            </a:endParaRPr>
+          </a:p>
+        </p:txBody>
+      </p:sp>
+      <p:grpSp>
+        <p:nvGrpSpPr>
+          <p:cNvPr id="194" name="Google Shape;194;p28">
+            <a:extLst>
+              <a:ext uri="{FF2B5EF4-FFF2-40B4-BE49-F238E27FC236}">
+                <a16:creationId xmlns:a16="http://schemas.microsoft.com/office/drawing/2014/main" id="{32813309-141C-6277-109D-DE5108CEB950}"/>
+              </a:ext>
+            </a:extLst>
+          </p:cNvPr>
+          <p:cNvGrpSpPr/>
+          <p:nvPr/>
+        </p:nvGrpSpPr>
+        <p:grpSpPr>
+          <a:xfrm>
+            <a:off x="10787400" y="261733"/>
+            <a:ext cx="1654931" cy="1638067"/>
+            <a:chOff x="8090550" y="196300"/>
+            <a:chExt cx="1241198" cy="1228550"/>
+          </a:xfrm>
+        </p:grpSpPr>
+        <p:sp>
+          <p:nvSpPr>
+            <p:cNvPr id="195" name="Google Shape;195;p28">
+              <a:extLst>
+                <a:ext uri="{FF2B5EF4-FFF2-40B4-BE49-F238E27FC236}">
+                  <a16:creationId xmlns:a16="http://schemas.microsoft.com/office/drawing/2014/main" id="{2A9DE3AB-9280-6D8D-C350-AD6DD536A536}"/>
+                </a:ext>
+              </a:extLst>
+            </p:cNvPr>
+            <p:cNvSpPr/>
+            <p:nvPr/>
+          </p:nvSpPr>
+          <p:spPr>
+            <a:xfrm>
+              <a:off x="8304848" y="397950"/>
+              <a:ext cx="1026900" cy="1026900"/>
+            </a:xfrm>
+            <a:prstGeom prst="ellipse">
+              <a:avLst/>
+            </a:prstGeom>
+            <a:solidFill>
+              <a:srgbClr val="F5F2FA">
+                <a:alpha val="18240"/>
+              </a:srgbClr>
+            </a:solidFill>
+            <a:ln w="9525" cap="flat" cmpd="sng">
+              <a:solidFill>
+                <a:schemeClr val="dk2"/>
+              </a:solidFill>
+              <a:prstDash val="solid"/>
+              <a:round/>
+              <a:headEnd type="none" w="sm" len="sm"/>
+              <a:tailEnd type="none" w="sm" len="sm"/>
+            </a:ln>
+          </p:spPr>
+          <p:txBody>
+            <a:bodyPr spcFirstLastPara="1" wrap="square" lIns="121900" tIns="121900" rIns="121900" bIns="121900" anchor="ctr" anchorCtr="0">
+              <a:noAutofit/>
+            </a:bodyPr>
+            <a:lstStyle/>
+            <a:p>
+              <a:pPr algn="ctr" rtl="0"/>
+              <a:endParaRPr>
+                <a:latin typeface="Montserrat"/>
+                <a:ea typeface="Montserrat"/>
+                <a:cs typeface="Montserrat"/>
+                <a:sym typeface="Montserrat"/>
+              </a:endParaRPr>
+            </a:p>
+          </p:txBody>
+        </p:sp>
+        <p:pic>
+          <p:nvPicPr>
+            <p:cNvPr id="196" name="Google Shape;196;p28">
+              <a:extLst>
+                <a:ext uri="{FF2B5EF4-FFF2-40B4-BE49-F238E27FC236}">
+                  <a16:creationId xmlns:a16="http://schemas.microsoft.com/office/drawing/2014/main" id="{411422F1-6FEF-50D2-5068-1BCA040C22C4}"/>
+                </a:ext>
+              </a:extLst>
+            </p:cNvPr>
+            <p:cNvPicPr preferRelativeResize="0"/>
+            <p:nvPr/>
+          </p:nvPicPr>
+          <p:blipFill rotWithShape="1">
+            <a:blip r:embed="rId3">
+              <a:alphaModFix/>
+            </a:blip>
+            <a:srcRect/>
+            <a:stretch/>
+          </p:blipFill>
+          <p:spPr>
+            <a:xfrm>
+              <a:off x="8090550" y="196300"/>
+              <a:ext cx="666283" cy="666301"/>
+            </a:xfrm>
+            <a:prstGeom prst="rect">
+              <a:avLst/>
+            </a:prstGeom>
+            <a:noFill/>
+            <a:ln>
+              <a:noFill/>
+            </a:ln>
+          </p:spPr>
+        </p:pic>
+      </p:grpSp>
+      <p:sp>
+        <p:nvSpPr>
+          <p:cNvPr id="15" name="Прямоугольник 14">
+            <a:extLst>
+              <a:ext uri="{FF2B5EF4-FFF2-40B4-BE49-F238E27FC236}">
+                <a16:creationId xmlns:a16="http://schemas.microsoft.com/office/drawing/2014/main" id="{1D1BB93C-C784-50D4-E271-9EA9C6044AEF}"/>
+              </a:ext>
+            </a:extLst>
+          </p:cNvPr>
+          <p:cNvSpPr/>
+          <p:nvPr/>
+        </p:nvSpPr>
+        <p:spPr>
+          <a:xfrm>
+            <a:off x="3820336" y="344804"/>
+            <a:ext cx="4192728" cy="1046440"/>
+          </a:xfrm>
+          <a:prstGeom prst="rect">
+            <a:avLst/>
+          </a:prstGeom>
+        </p:spPr>
+        <p:txBody>
+          <a:bodyPr wrap="square">
+            <a:spAutoFit/>
+          </a:bodyPr>
+          <a:lstStyle/>
+          <a:p>
+            <a:pPr lvl="0">
+              <a:buClr>
+                <a:srgbClr val="F5F2FA"/>
+              </a:buClr>
+              <a:buSzPts val="3000"/>
+            </a:pPr>
+            <a:r>
+              <a:rPr lang="ru-RU" sz="4400" b="1" dirty="0">
+                <a:solidFill>
+                  <a:srgbClr val="CCC8E6"/>
+                </a:solidFill>
+                <a:latin typeface="Cambria Math" panose="02040503050406030204" pitchFamily="18" charset="0"/>
+                <a:ea typeface="Cambria Math" panose="02040503050406030204" pitchFamily="18" charset="0"/>
+                <a:sym typeface="Homenaje"/>
+              </a:rPr>
+              <a:t>         Игра</a:t>
+            </a:r>
+          </a:p>
+          <a:p>
+            <a:endParaRPr lang="ru-RU" dirty="0">
+              <a:solidFill>
+                <a:schemeClr val="accent3"/>
+              </a:solidFill>
+            </a:endParaRPr>
+          </a:p>
+        </p:txBody>
+      </p:sp>
+      <p:pic>
+        <p:nvPicPr>
+          <p:cNvPr id="3" name="Рисунок 2">
+            <a:extLst>
+              <a:ext uri="{FF2B5EF4-FFF2-40B4-BE49-F238E27FC236}">
+                <a16:creationId xmlns:a16="http://schemas.microsoft.com/office/drawing/2014/main" id="{1985B634-C568-7F82-FBD1-CE3C9F6117DD}"/>
+              </a:ext>
+            </a:extLst>
+          </p:cNvPr>
+          <p:cNvPicPr>
+            <a:picLocks noChangeAspect="1"/>
+          </p:cNvPicPr>
+          <p:nvPr/>
+        </p:nvPicPr>
+        <p:blipFill>
+          <a:blip r:embed="rId4" cstate="print">
+            <a:extLst>
+              <a:ext uri="{28A0092B-C50C-407E-A947-70E740481C1C}">
+                <a14:useLocalDpi xmlns:a14="http://schemas.microsoft.com/office/drawing/2010/main" val="0"/>
+              </a:ext>
+            </a:extLst>
+          </a:blip>
+          <a:srcRect l="2387" r="2387"/>
+          <a:stretch/>
+        </p:blipFill>
+        <p:spPr bwMode="auto">
+          <a:xfrm>
+            <a:off x="4332943" y="1990683"/>
+            <a:ext cx="7265228" cy="4198717"/>
+          </a:xfrm>
+          <a:prstGeom prst="rect">
+            <a:avLst/>
+          </a:prstGeom>
+          <a:solidFill>
+            <a:srgbClr val="FFFFFF">
+              <a:shade val="85000"/>
+            </a:srgbClr>
+          </a:solidFill>
+          <a:ln w="88900" cap="sq">
+            <a:solidFill>
+              <a:srgbClr val="FFFFFF"/>
+            </a:solidFill>
+            <a:miter lim="800000"/>
+          </a:ln>
+          <a:effectLst>
+            <a:outerShdw blurRad="55000" dist="18000" dir="5400000" algn="tl" rotWithShape="0">
+              <a:srgbClr val="000000">
+                <a:alpha val="40000"/>
+              </a:srgbClr>
+            </a:outerShdw>
+          </a:effectLst>
+          <a:scene3d>
+            <a:camera prst="orthographicFront"/>
+            <a:lightRig rig="twoPt" dir="t">
+              <a:rot lat="0" lon="0" rev="7200000"/>
+            </a:lightRig>
+          </a:scene3d>
+          <a:sp3d>
+            <a:bevelT w="25400" h="19050"/>
+            <a:contourClr>
+              <a:srgbClr val="FFFFFF"/>
+            </a:contourClr>
+          </a:sp3d>
+          <a:extLst>
+            <a:ext uri="{53640926-AAD7-44D8-BBD7-CCE9431645EC}">
+              <a14:shadowObscured xmlns:a14="http://schemas.microsoft.com/office/drawing/2010/main"/>
+            </a:ext>
+          </a:extLst>
+        </p:spPr>
+      </p:pic>
+      <p:sp>
+        <p:nvSpPr>
+          <p:cNvPr id="9" name="TextBox 8">
+            <a:extLst>
+              <a:ext uri="{FF2B5EF4-FFF2-40B4-BE49-F238E27FC236}">
+                <a16:creationId xmlns:a16="http://schemas.microsoft.com/office/drawing/2014/main" id="{F4F0B08C-6C06-AB59-63A1-909F53564F20}"/>
+              </a:ext>
+            </a:extLst>
+          </p:cNvPr>
+          <p:cNvSpPr txBox="1"/>
+          <p:nvPr/>
+        </p:nvSpPr>
+        <p:spPr>
+          <a:xfrm>
+            <a:off x="593830" y="3327287"/>
+            <a:ext cx="3042476" cy="1477328"/>
+          </a:xfrm>
+          <a:prstGeom prst="rect">
+            <a:avLst/>
+          </a:prstGeom>
+          <a:noFill/>
+        </p:spPr>
+        <p:txBody>
+          <a:bodyPr wrap="square">
+            <a:spAutoFit/>
+          </a:bodyPr>
+          <a:lstStyle/>
+          <a:p>
+            <a:pPr marL="380990" indent="-380990">
+              <a:buFont typeface="Arial" panose="020B0604020202020204" pitchFamily="34" charset="0"/>
+              <a:buChar char="•"/>
+            </a:pPr>
+            <a:r>
+              <a:rPr lang="ru-RU" dirty="0">
+                <a:latin typeface="Montserrat" panose="00000500000000000000" pitchFamily="2" charset="-52"/>
+              </a:rPr>
+              <a:t>Проверка правильности ввода</a:t>
+            </a:r>
+          </a:p>
+          <a:p>
+            <a:pPr marL="380990" indent="-380990">
+              <a:buFont typeface="Arial" panose="020B0604020202020204" pitchFamily="34" charset="0"/>
+              <a:buChar char="•"/>
+            </a:pPr>
+            <a:r>
+              <a:rPr lang="ru-RU" dirty="0">
+                <a:latin typeface="Montserrat" panose="00000500000000000000" pitchFamily="2" charset="-52"/>
+              </a:rPr>
+              <a:t>Подсчет очков</a:t>
+            </a:r>
+          </a:p>
+          <a:p>
+            <a:pPr marL="380990" indent="-380990">
+              <a:buFont typeface="Arial" panose="020B0604020202020204" pitchFamily="34" charset="0"/>
+              <a:buChar char="•"/>
+            </a:pPr>
+            <a:r>
+              <a:rPr lang="ru-RU" dirty="0">
+                <a:latin typeface="Montserrat" panose="00000500000000000000" pitchFamily="2" charset="-52"/>
+              </a:rPr>
+              <a:t>Сохранение личного рекорда</a:t>
+            </a:r>
+          </a:p>
+        </p:txBody>
+      </p:sp>
+    </p:spTree>
+    <p:extLst>
+      <p:ext uri="{BB962C8B-B14F-4D97-AF65-F5344CB8AC3E}">
+        <p14:creationId xmlns:p14="http://schemas.microsoft.com/office/powerpoint/2010/main" val="2966739248"/>
+      </p:ext>
+    </p:extLst>
+  </p:cSld>
+  <p:clrMapOvr>
+    <a:masterClrMapping/>
+  </p:clrMapOvr>
+</p:sld>
+</file>
+
+<file path=ppt/slides/slide6.xml><?xml version="1.0" encoding="utf-8"?>
+<p:sld xmlns:a="http://schemas.openxmlformats.org/drawingml/2006/main" xmlns:r="http://schemas.openxmlformats.org/officeDocument/2006/relationships" xmlns:p="http://schemas.openxmlformats.org/presentationml/2006/main">
+  <p:cSld>
+    <p:spTree>
+      <p:nvGrpSpPr>
+        <p:cNvPr id="1" name="Shape 180">
+          <a:extLst>
+            <a:ext uri="{FF2B5EF4-FFF2-40B4-BE49-F238E27FC236}">
+              <a16:creationId xmlns:a16="http://schemas.microsoft.com/office/drawing/2014/main" id="{C04CCD5B-80AF-837E-8A60-B0ED1022E613}"/>
+            </a:ext>
+          </a:extLst>
+        </p:cNvPr>
+        <p:cNvGrpSpPr/>
+        <p:nvPr/>
+      </p:nvGrpSpPr>
+      <p:grpSpPr>
+        <a:xfrm>
+          <a:off x="0" y="0"/>
+          <a:ext cx="0" cy="0"/>
+          <a:chOff x="0" y="0"/>
+          <a:chExt cx="0" cy="0"/>
+        </a:xfrm>
+      </p:grpSpPr>
+      <p:sp>
+        <p:nvSpPr>
+          <p:cNvPr id="189" name="Google Shape;189;p28">
+            <a:extLst>
+              <a:ext uri="{FF2B5EF4-FFF2-40B4-BE49-F238E27FC236}">
+                <a16:creationId xmlns:a16="http://schemas.microsoft.com/office/drawing/2014/main" id="{FF644360-044B-A6EE-B16E-4A3E10D62CA9}"/>
+              </a:ext>
+            </a:extLst>
+          </p:cNvPr>
+          <p:cNvSpPr txBox="1">
+            <a:spLocks noGrp="1"/>
+          </p:cNvSpPr>
+          <p:nvPr>
+            <p:ph type="subTitle" idx="8"/>
+          </p:nvPr>
+        </p:nvSpPr>
+        <p:spPr>
+          <a:xfrm>
+            <a:off x="467536" y="2906829"/>
+            <a:ext cx="3352800" cy="2466387"/>
+          </a:xfrm>
+          <a:prstGeom prst="roundRect">
+            <a:avLst/>
+          </a:prstGeom>
+        </p:spPr>
+        <p:txBody>
+          <a:bodyPr spcFirstLastPara="1" wrap="square" lIns="121900" tIns="121900" rIns="121900" bIns="121900" anchor="ctr" anchorCtr="0">
+            <a:noAutofit/>
+          </a:bodyPr>
+          <a:lstStyle/>
+          <a:p>
+            <a:pPr marL="228594" indent="-228594">
+              <a:buFont typeface="Arial" panose="020B0604020202020204" pitchFamily="34" charset="0"/>
+              <a:buChar char="•"/>
+            </a:pPr>
+            <a:endParaRPr lang="ru-RU" sz="1600" dirty="0">
+              <a:latin typeface="Montserrat" panose="020B0604020202020204" charset="-52"/>
+            </a:endParaRPr>
+          </a:p>
+          <a:p>
+            <a:pPr marL="228594" indent="-228594">
+              <a:buFont typeface="Arial" panose="020B0604020202020204" pitchFamily="34" charset="0"/>
+              <a:buChar char="•"/>
+            </a:pPr>
+            <a:endParaRPr sz="1600" dirty="0">
+              <a:latin typeface="Montserrat" panose="020B0604020202020204" charset="-52"/>
+            </a:endParaRPr>
+          </a:p>
+        </p:txBody>
+      </p:sp>
+      <p:grpSp>
+        <p:nvGrpSpPr>
+          <p:cNvPr id="194" name="Google Shape;194;p28">
+            <a:extLst>
+              <a:ext uri="{FF2B5EF4-FFF2-40B4-BE49-F238E27FC236}">
+                <a16:creationId xmlns:a16="http://schemas.microsoft.com/office/drawing/2014/main" id="{5FBF811B-92A7-E3C6-6F40-A74CA1DD51C4}"/>
+              </a:ext>
+            </a:extLst>
+          </p:cNvPr>
+          <p:cNvGrpSpPr/>
+          <p:nvPr/>
+        </p:nvGrpSpPr>
+        <p:grpSpPr>
+          <a:xfrm>
+            <a:off x="10787400" y="261733"/>
+            <a:ext cx="1654931" cy="1638067"/>
+            <a:chOff x="8090550" y="196300"/>
+            <a:chExt cx="1241198" cy="1228550"/>
+          </a:xfrm>
+        </p:grpSpPr>
+        <p:sp>
+          <p:nvSpPr>
+            <p:cNvPr id="195" name="Google Shape;195;p28">
+              <a:extLst>
+                <a:ext uri="{FF2B5EF4-FFF2-40B4-BE49-F238E27FC236}">
+                  <a16:creationId xmlns:a16="http://schemas.microsoft.com/office/drawing/2014/main" id="{93BE05C7-79A3-DD4B-5F9E-728D291AF5D4}"/>
+                </a:ext>
+              </a:extLst>
+            </p:cNvPr>
+            <p:cNvSpPr/>
+            <p:nvPr/>
+          </p:nvSpPr>
+          <p:spPr>
+            <a:xfrm>
+              <a:off x="8304848" y="397950"/>
+              <a:ext cx="1026900" cy="1026900"/>
+            </a:xfrm>
+            <a:prstGeom prst="ellipse">
+              <a:avLst/>
+            </a:prstGeom>
+            <a:solidFill>
+              <a:srgbClr val="F5F2FA">
+                <a:alpha val="18240"/>
+              </a:srgbClr>
+            </a:solidFill>
+            <a:ln w="9525" cap="flat" cmpd="sng">
+              <a:solidFill>
+                <a:schemeClr val="dk2"/>
+              </a:solidFill>
+              <a:prstDash val="solid"/>
+              <a:round/>
+              <a:headEnd type="none" w="sm" len="sm"/>
+              <a:tailEnd type="none" w="sm" len="sm"/>
+            </a:ln>
+          </p:spPr>
+          <p:txBody>
+            <a:bodyPr spcFirstLastPara="1" wrap="square" lIns="121900" tIns="121900" rIns="121900" bIns="121900" anchor="ctr" anchorCtr="0">
+              <a:noAutofit/>
+            </a:bodyPr>
+            <a:lstStyle/>
+            <a:p>
+              <a:pPr algn="ctr" rtl="0"/>
+              <a:endParaRPr>
+                <a:latin typeface="Montserrat"/>
+                <a:ea typeface="Montserrat"/>
+                <a:cs typeface="Montserrat"/>
+                <a:sym typeface="Montserrat"/>
+              </a:endParaRPr>
+            </a:p>
+          </p:txBody>
+        </p:sp>
+        <p:pic>
+          <p:nvPicPr>
+            <p:cNvPr id="196" name="Google Shape;196;p28">
+              <a:extLst>
+                <a:ext uri="{FF2B5EF4-FFF2-40B4-BE49-F238E27FC236}">
+                  <a16:creationId xmlns:a16="http://schemas.microsoft.com/office/drawing/2014/main" id="{2BE4A3EA-BA73-4898-714D-68C0CC19A1FF}"/>
+                </a:ext>
+              </a:extLst>
+            </p:cNvPr>
+            <p:cNvPicPr preferRelativeResize="0"/>
+            <p:nvPr/>
+          </p:nvPicPr>
+          <p:blipFill rotWithShape="1">
+            <a:blip r:embed="rId3">
+              <a:alphaModFix/>
+            </a:blip>
+            <a:srcRect/>
+            <a:stretch/>
+          </p:blipFill>
+          <p:spPr>
+            <a:xfrm>
+              <a:off x="8090550" y="196300"/>
+              <a:ext cx="666283" cy="666301"/>
+            </a:xfrm>
+            <a:prstGeom prst="rect">
+              <a:avLst/>
+            </a:prstGeom>
+            <a:noFill/>
+            <a:ln>
+              <a:noFill/>
+            </a:ln>
+          </p:spPr>
+        </p:pic>
+      </p:grpSp>
+      <p:sp>
+        <p:nvSpPr>
+          <p:cNvPr id="15" name="Прямоугольник 14">
+            <a:extLst>
+              <a:ext uri="{FF2B5EF4-FFF2-40B4-BE49-F238E27FC236}">
+                <a16:creationId xmlns:a16="http://schemas.microsoft.com/office/drawing/2014/main" id="{4A7E2694-B9DB-F6CD-B62C-9EBCE5E79AD1}"/>
+              </a:ext>
+            </a:extLst>
+          </p:cNvPr>
+          <p:cNvSpPr/>
+          <p:nvPr/>
+        </p:nvSpPr>
+        <p:spPr>
+          <a:xfrm>
+            <a:off x="3820336" y="344804"/>
+            <a:ext cx="4192728" cy="1046440"/>
+          </a:xfrm>
+          <a:prstGeom prst="rect">
+            <a:avLst/>
+          </a:prstGeom>
+        </p:spPr>
+        <p:txBody>
+          <a:bodyPr wrap="square">
+            <a:spAutoFit/>
+          </a:bodyPr>
+          <a:lstStyle/>
+          <a:p>
+            <a:pPr lvl="0">
+              <a:buClr>
+                <a:srgbClr val="F5F2FA"/>
+              </a:buClr>
+              <a:buSzPts val="3000"/>
+            </a:pPr>
+            <a:r>
+              <a:rPr lang="ru-RU" sz="4400" b="1" dirty="0">
+                <a:solidFill>
+                  <a:srgbClr val="CCC8E6"/>
+                </a:solidFill>
+                <a:latin typeface="Cambria Math" panose="02040503050406030204" pitchFamily="18" charset="0"/>
+                <a:ea typeface="Cambria Math" panose="02040503050406030204" pitchFamily="18" charset="0"/>
+                <a:sym typeface="Homenaje"/>
+              </a:rPr>
+              <a:t>         Игра</a:t>
+            </a:r>
+          </a:p>
+          <a:p>
+            <a:endParaRPr lang="ru-RU" dirty="0">
+              <a:solidFill>
+                <a:schemeClr val="accent3"/>
+              </a:solidFill>
+            </a:endParaRPr>
+          </a:p>
+        </p:txBody>
+      </p:sp>
+      <p:pic>
+        <p:nvPicPr>
+          <p:cNvPr id="3" name="Рисунок 2">
+            <a:extLst>
+              <a:ext uri="{FF2B5EF4-FFF2-40B4-BE49-F238E27FC236}">
+                <a16:creationId xmlns:a16="http://schemas.microsoft.com/office/drawing/2014/main" id="{839BDE96-ABE9-671C-BF52-DC2F067C8753}"/>
+              </a:ext>
+            </a:extLst>
+          </p:cNvPr>
+          <p:cNvPicPr>
+            <a:picLocks noChangeAspect="1"/>
+          </p:cNvPicPr>
+          <p:nvPr/>
+        </p:nvPicPr>
+        <p:blipFill>
+          <a:blip r:embed="rId4" cstate="print">
+            <a:extLst>
+              <a:ext uri="{28A0092B-C50C-407E-A947-70E740481C1C}">
+                <a14:useLocalDpi xmlns:a14="http://schemas.microsoft.com/office/drawing/2010/main" val="0"/>
+              </a:ext>
+            </a:extLst>
+          </a:blip>
+          <a:srcRect l="2387" r="2387"/>
+          <a:stretch/>
+        </p:blipFill>
+        <p:spPr bwMode="auto">
+          <a:xfrm>
+            <a:off x="4332943" y="1990683"/>
+            <a:ext cx="7265228" cy="4198717"/>
+          </a:xfrm>
+          <a:prstGeom prst="rect">
+            <a:avLst/>
+          </a:prstGeom>
+          <a:solidFill>
+            <a:srgbClr val="FFFFFF">
+              <a:shade val="85000"/>
+            </a:srgbClr>
+          </a:solidFill>
+          <a:ln w="88900" cap="sq">
+            <a:solidFill>
+              <a:srgbClr val="FFFFFF"/>
+            </a:solidFill>
+            <a:miter lim="800000"/>
+          </a:ln>
+          <a:effectLst>
+            <a:outerShdw blurRad="55000" dist="18000" dir="5400000" algn="tl" rotWithShape="0">
+              <a:srgbClr val="000000">
+                <a:alpha val="40000"/>
+              </a:srgbClr>
+            </a:outerShdw>
+          </a:effectLst>
+          <a:scene3d>
+            <a:camera prst="orthographicFront"/>
+            <a:lightRig rig="twoPt" dir="t">
+              <a:rot lat="0" lon="0" rev="7200000"/>
+            </a:lightRig>
+          </a:scene3d>
+          <a:sp3d>
+            <a:bevelT w="25400" h="19050"/>
+            <a:contourClr>
+              <a:srgbClr val="FFFFFF"/>
+            </a:contourClr>
+          </a:sp3d>
+          <a:extLst>
+            <a:ext uri="{53640926-AAD7-44D8-BBD7-CCE9431645EC}">
+              <a14:shadowObscured xmlns:a14="http://schemas.microsoft.com/office/drawing/2010/main"/>
+            </a:ext>
+          </a:extLst>
+        </p:spPr>
+      </p:pic>
+      <p:sp>
+        <p:nvSpPr>
+          <p:cNvPr id="9" name="TextBox 8">
+            <a:extLst>
+              <a:ext uri="{FF2B5EF4-FFF2-40B4-BE49-F238E27FC236}">
+                <a16:creationId xmlns:a16="http://schemas.microsoft.com/office/drawing/2014/main" id="{831D2EAC-7924-373E-A4CB-50ECB15F5FE8}"/>
+              </a:ext>
+            </a:extLst>
+          </p:cNvPr>
+          <p:cNvSpPr txBox="1"/>
+          <p:nvPr/>
+        </p:nvSpPr>
+        <p:spPr>
+          <a:xfrm>
+            <a:off x="593830" y="3327287"/>
+            <a:ext cx="3042476" cy="1477328"/>
+          </a:xfrm>
+          <a:prstGeom prst="rect">
+            <a:avLst/>
+          </a:prstGeom>
+          <a:noFill/>
+        </p:spPr>
+        <p:txBody>
+          <a:bodyPr wrap="square">
+            <a:spAutoFit/>
+          </a:bodyPr>
+          <a:lstStyle/>
+          <a:p>
+            <a:pPr marL="380990" indent="-380990">
+              <a:buFont typeface="Arial" panose="020B0604020202020204" pitchFamily="34" charset="0"/>
+              <a:buChar char="•"/>
+            </a:pPr>
+            <a:r>
+              <a:rPr lang="ru-RU" dirty="0">
+                <a:latin typeface="Montserrat" panose="00000500000000000000" pitchFamily="2" charset="-52"/>
+              </a:rPr>
+              <a:t>Проверка правильности ввода</a:t>
+            </a:r>
+          </a:p>
+          <a:p>
+            <a:pPr marL="380990" indent="-380990">
+              <a:buFont typeface="Arial" panose="020B0604020202020204" pitchFamily="34" charset="0"/>
+              <a:buChar char="•"/>
+            </a:pPr>
+            <a:r>
+              <a:rPr lang="ru-RU" dirty="0">
+                <a:latin typeface="Montserrat" panose="00000500000000000000" pitchFamily="2" charset="-52"/>
+              </a:rPr>
+              <a:t>Подсчет очков</a:t>
+            </a:r>
+          </a:p>
+          <a:p>
+            <a:pPr marL="380990" indent="-380990">
+              <a:buFont typeface="Arial" panose="020B0604020202020204" pitchFamily="34" charset="0"/>
+              <a:buChar char="•"/>
+            </a:pPr>
+            <a:r>
+              <a:rPr lang="ru-RU" dirty="0">
+                <a:latin typeface="Montserrat" panose="00000500000000000000" pitchFamily="2" charset="-52"/>
+              </a:rPr>
+              <a:t>Сохранение личного рекорда</a:t>
+            </a:r>
+          </a:p>
+        </p:txBody>
+      </p:sp>
+    </p:spTree>
+    <p:extLst>
+      <p:ext uri="{BB962C8B-B14F-4D97-AF65-F5344CB8AC3E}">
+        <p14:creationId xmlns:p14="http://schemas.microsoft.com/office/powerpoint/2010/main" val="2068753890"/>
+      </p:ext>
+    </p:extLst>
   </p:cSld>
   <p:clrMapOvr>
     <a:masterClrMapping/>

--- a/docs/презентация_pygame.pptx
+++ b/docs/презентация_pygame.pptx
@@ -12585,7 +12585,7 @@
         <p:spPr>
           <a:xfrm>
             <a:off x="467536" y="2906829"/>
-            <a:ext cx="3352800" cy="2466387"/>
+            <a:ext cx="3352800" cy="1962331"/>
           </a:xfrm>
           <a:prstGeom prst="roundRect">
             <a:avLst/>
@@ -12735,8 +12735,8 @@
         </p:nvSpPr>
         <p:spPr>
           <a:xfrm>
-            <a:off x="3820336" y="344804"/>
-            <a:ext cx="4192728" cy="1046440"/>
+            <a:off x="2423592" y="344804"/>
+            <a:ext cx="5589472" cy="1046440"/>
           </a:xfrm>
           <a:prstGeom prst="rect">
             <a:avLst/>
@@ -12763,7 +12763,7 @@
                 <a:ea typeface="Cambria Math" panose="02040503050406030204" pitchFamily="18" charset="0"/>
                 <a:sym typeface="Homenaje"/>
               </a:rPr>
-              <a:t>         Игра</a:t>
+              <a:t>         Финальное окно</a:t>
             </a:r>
           </a:p>
           <a:p>
@@ -12797,7 +12797,7 @@
               </a:ext>
             </a:extLst>
           </a:blip>
-          <a:srcRect l="2387" r="2387"/>
+          <a:srcRect l="945" r="945"/>
           <a:stretch/>
         </p:blipFill>
         <p:spPr bwMode="auto">
@@ -12860,7 +12860,7 @@
         <p:spPr>
           <a:xfrm>
             <a:off x="593830" y="3327287"/>
-            <a:ext cx="3042476" cy="1477328"/>
+            <a:ext cx="3042476" cy="923330"/>
           </a:xfrm>
           <a:prstGeom prst="rect">
             <a:avLst/>
@@ -12881,7 +12881,7 @@
               <a:rPr lang="ru-RU" dirty="0">
                 <a:latin typeface="Montserrat" panose="00000500000000000000" pitchFamily="2" charset="-52"/>
               </a:rPr>
-              <a:t>Проверка правильности ввода</a:t>
+              <a:t>Вывод лучшего результата</a:t>
             </a:r>
           </a:p>
           <a:p>
@@ -12893,19 +12893,7 @@
               <a:rPr lang="ru-RU" dirty="0">
                 <a:latin typeface="Montserrat" panose="00000500000000000000" pitchFamily="2" charset="-52"/>
               </a:rPr>
-              <a:t>Подсчет очков</a:t>
-            </a:r>
-          </a:p>
-          <a:p>
-            <a:pPr marL="380990" indent="-380990">
-              <a:buFont typeface="Arial" panose="020B0604020202020204" pitchFamily="34" charset="0"/>
-              <a:buChar char="•"/>
-            </a:pPr>
-            <a:r>
-              <a:rPr lang="ru-RU" dirty="0">
-                <a:latin typeface="Montserrat" panose="00000500000000000000" pitchFamily="2" charset="-52"/>
-              </a:rPr>
-              <a:t>Сохранение личного рекорда</a:t>
+              <a:t>Кнопки навигации</a:t>
             </a:r>
           </a:p>
         </p:txBody>
